--- a/prjcafe.docs/docs/prjcafe_프로젝트_화면설계서.pptx
+++ b/prjcafe.docs/docs/prjcafe_프로젝트_화면설계서.pptx
@@ -189,7 +189,7 @@
   </p:defaultTextStyle>
   <p:extLst>
     <p:ext uri="{EFAFB233-063F-42B5-8137-9DF3F51BA10A}">
-      <p15:sldGuideLst xmlns:p15="http://schemas.microsoft.com/office/powerpoint/2012/main">
+      <p15:sldGuideLst xmlns:p15="http://schemas.microsoft.com/office/powerpoint/2012/main" xmlns="">
         <p15:guide id="1" orient="horz" pos="1344">
           <p15:clr>
             <a:srgbClr val="A4A3A4"/>
@@ -203,7 +203,7 @@
       </p15:sldGuideLst>
     </p:ext>
     <p:ext uri="{2D200454-40CA-4A62-9FC3-DE9A4176ACB9}">
-      <p15:notesGuideLst xmlns:p15="http://schemas.microsoft.com/office/powerpoint/2012/main">
+      <p15:notesGuideLst xmlns:p15="http://schemas.microsoft.com/office/powerpoint/2012/main" xmlns="">
         <p15:guide id="1" orient="horz" pos="2866">
           <p15:clr>
             <a:srgbClr val="A4A3A4"/>
@@ -4118,7 +4118,7 @@
             <a:fld id="{B61BEF0D-F0BB-DE4B-95CE-6DB70DBA9567}" type="datetimeFigureOut">
               <a:rPr lang="en-US" smtClean="0"/>
               <a:pPr/>
-              <a:t>2/15/2017</a:t>
+              <a:t>8/2/2017</a:t>
             </a:fld>
             <a:endParaRPr lang="en-US" dirty="0"/>
           </a:p>
@@ -4289,7 +4289,7 @@
           <a:p>
             <a:fld id="{70DDF080-5E8C-48AD-84E5-6C08B304C14E}" type="datetimeFigureOut">
               <a:rPr lang="en-US" smtClean="0"/>
-              <a:t>2/15/2017</a:t>
+              <a:t>8/2/2017</a:t>
             </a:fld>
             <a:endParaRPr lang="en-US" dirty="0"/>
           </a:p>
@@ -4663,7 +4663,7 @@
             <a:fld id="{B61BEF0D-F0BB-DE4B-95CE-6DB70DBA9567}" type="datetimeFigureOut">
               <a:rPr lang="en-US" smtClean="0"/>
               <a:pPr/>
-              <a:t>2/15/2017</a:t>
+              <a:t>8/2/2017</a:t>
             </a:fld>
             <a:endParaRPr lang="en-US" dirty="0"/>
           </a:p>
@@ -8174,7 +8174,7 @@
           <a:p>
             <a:fld id="{70DDF080-5E8C-48AD-84E5-6C08B304C14E}" type="datetimeFigureOut">
               <a:rPr lang="en-US" smtClean="0"/>
-              <a:t>2/15/2017</a:t>
+              <a:t>8/2/2017</a:t>
             </a:fld>
             <a:endParaRPr lang="en-US" dirty="0"/>
           </a:p>
@@ -8397,7 +8397,7 @@
             <a:fld id="{B61BEF0D-F0BB-DE4B-95CE-6DB70DBA9567}" type="datetimeFigureOut">
               <a:rPr lang="en-US" smtClean="0"/>
               <a:pPr/>
-              <a:t>2/15/2017</a:t>
+              <a:t>8/2/2017</a:t>
             </a:fld>
             <a:endParaRPr lang="en-US" dirty="0"/>
           </a:p>
@@ -8925,7 +8925,7 @@
             <a:fld id="{B61BEF0D-F0BB-DE4B-95CE-6DB70DBA9567}" type="datetimeFigureOut">
               <a:rPr lang="en-US" smtClean="0"/>
               <a:pPr/>
-              <a:t>2/15/2017</a:t>
+              <a:t>8/2/2017</a:t>
             </a:fld>
             <a:endParaRPr lang="en-US" dirty="0"/>
           </a:p>
@@ -9418,7 +9418,7 @@
             <a:fld id="{B61BEF0D-F0BB-DE4B-95CE-6DB70DBA9567}" type="datetimeFigureOut">
               <a:rPr lang="en-US" smtClean="0"/>
               <a:pPr/>
-              <a:t>2/15/2017</a:t>
+              <a:t>8/2/2017</a:t>
             </a:fld>
             <a:endParaRPr lang="en-US" dirty="0"/>
           </a:p>
@@ -9748,7 +9748,7 @@
             <a:fld id="{B61BEF0D-F0BB-DE4B-95CE-6DB70DBA9567}" type="datetimeFigureOut">
               <a:rPr lang="en-US" smtClean="0"/>
               <a:pPr/>
-              <a:t>2/15/2017</a:t>
+              <a:t>8/2/2017</a:t>
             </a:fld>
             <a:endParaRPr lang="en-US" dirty="0"/>
           </a:p>
@@ -10134,7 +10134,7 @@
             <a:fld id="{B61BEF0D-F0BB-DE4B-95CE-6DB70DBA9567}" type="datetimeFigureOut">
               <a:rPr lang="en-US" smtClean="0"/>
               <a:pPr/>
-              <a:t>2/15/2017</a:t>
+              <a:t>8/2/2017</a:t>
             </a:fld>
             <a:endParaRPr lang="en-US" dirty="0"/>
           </a:p>
@@ -11860,7 +11860,7 @@
           <a:p>
             <a:fld id="{70DDF080-5E8C-48AD-84E5-6C08B304C14E}" type="datetimeFigureOut">
               <a:rPr lang="en-US" smtClean="0"/>
-              <a:t>2/15/2017</a:t>
+              <a:t>8/2/2017</a:t>
             </a:fld>
             <a:endParaRPr lang="en-US" dirty="0"/>
           </a:p>
@@ -12215,7 +12215,7 @@
             <a:fld id="{B61BEF0D-F0BB-DE4B-95CE-6DB70DBA9567}" type="datetimeFigureOut">
               <a:rPr lang="en-US" smtClean="0"/>
               <a:pPr/>
-              <a:t>2/15/2017</a:t>
+              <a:t>8/2/2017</a:t>
             </a:fld>
             <a:endParaRPr lang="en-US" dirty="0"/>
           </a:p>
@@ -12623,7 +12623,7 @@
             <a:fld id="{B61BEF0D-F0BB-DE4B-95CE-6DB70DBA9567}" type="datetimeFigureOut">
               <a:rPr lang="en-US" smtClean="0"/>
               <a:pPr/>
-              <a:t>2/15/2017</a:t>
+              <a:t>8/2/2017</a:t>
             </a:fld>
             <a:endParaRPr lang="en-US" dirty="0"/>
           </a:p>
@@ -13425,7 +13425,7 @@
         <p:spPr bwMode="auto">
           <a:xfrm>
             <a:off x="777330" y="2507937"/>
-            <a:ext cx="8187753" cy="2862322"/>
+            <a:ext cx="8187753" cy="1815882"/>
           </a:xfrm>
           <a:prstGeom prst="rect">
             <a:avLst/>
@@ -13485,6 +13485,62 @@
               <a:t>『 </a:t>
             </a:r>
             <a:r>
+              <a:rPr lang="ko-KR" altLang="en-US" sz="7200" b="1" spc="-150" dirty="0" err="1" smtClean="0">
+                <a:ln>
+                  <a:prstDash val="solid"/>
+                </a:ln>
+                <a:solidFill>
+                  <a:srgbClr val="C00000"/>
+                </a:solidFill>
+                <a:latin typeface="+mn-ea"/>
+                <a:ea typeface="+mn-ea"/>
+                <a:cs typeface="Tahoma" pitchFamily="34" charset="0"/>
+              </a:rPr>
+              <a:t>맛</a:t>
+            </a:r>
+            <a:r>
+              <a:rPr lang="ko-KR" altLang="en-US" sz="7200" b="1" spc="-150" dirty="0" err="1">
+                <a:ln>
+                  <a:prstDash val="solid"/>
+                </a:ln>
+                <a:solidFill>
+                  <a:srgbClr val="C00000"/>
+                </a:solidFill>
+                <a:latin typeface="+mn-ea"/>
+                <a:ea typeface="+mn-ea"/>
+                <a:cs typeface="Tahoma" pitchFamily="34" charset="0"/>
+              </a:rPr>
+              <a:t>집</a:t>
+            </a:r>
+            <a:r>
+              <a:rPr lang="ko-KR" altLang="en-US" sz="7200" b="1" spc="-150" dirty="0">
+                <a:ln>
+                  <a:prstDash val="solid"/>
+                </a:ln>
+                <a:solidFill>
+                  <a:srgbClr val="C00000"/>
+                </a:solidFill>
+                <a:latin typeface="+mn-ea"/>
+                <a:ea typeface="+mn-ea"/>
+                <a:cs typeface="Tahoma" pitchFamily="34" charset="0"/>
+              </a:rPr>
+              <a:t> </a:t>
+            </a:r>
+            <a:r>
+              <a:rPr lang="ko-KR" altLang="en-US" sz="7200" b="1" spc="-150" dirty="0" smtClean="0">
+                <a:ln>
+                  <a:prstDash val="solid"/>
+                </a:ln>
+                <a:solidFill>
+                  <a:srgbClr val="C00000"/>
+                </a:solidFill>
+                <a:latin typeface="+mn-ea"/>
+                <a:ea typeface="+mn-ea"/>
+                <a:cs typeface="Tahoma" pitchFamily="34" charset="0"/>
+              </a:rPr>
+              <a:t>소개</a:t>
+            </a:r>
+            <a:r>
               <a:rPr kumimoji="0" lang="en-US" altLang="ko-KR" sz="7200" b="1" spc="-150" dirty="0" smtClean="0">
                 <a:ln>
                   <a:prstDash val="solid"/>
@@ -13496,45 +13552,9 @@
                 <a:ea typeface="+mn-ea"/>
                 <a:cs typeface="Tahoma" pitchFamily="34" charset="0"/>
               </a:rPr>
-              <a:t>K-Start up!』</a:t>
+              <a:t>』</a:t>
             </a:r>
             <a:endParaRPr kumimoji="0" lang="en-US" altLang="ko-KR" sz="7200" b="1" spc="-150" dirty="0">
-              <a:ln>
-                <a:prstDash val="solid"/>
-              </a:ln>
-              <a:solidFill>
-                <a:srgbClr val="C00000"/>
-              </a:solidFill>
-              <a:latin typeface="+mn-ea"/>
-              <a:ea typeface="+mn-ea"/>
-              <a:cs typeface="Tahoma" pitchFamily="34" charset="0"/>
-            </a:endParaRPr>
-          </a:p>
-          <a:p>
-            <a:pPr algn="ctr" eaLnBrk="1" fontAlgn="auto" latinLnBrk="1" hangingPunct="1">
-              <a:spcBef>
-                <a:spcPts val="0"/>
-              </a:spcBef>
-              <a:spcAft>
-                <a:spcPts val="0"/>
-              </a:spcAft>
-              <a:defRPr/>
-            </a:pPr>
-            <a:r>
-              <a:rPr lang="ko-KR" altLang="en-US" sz="4000" b="1" spc="-150" dirty="0" smtClean="0">
-                <a:ln>
-                  <a:prstDash val="solid"/>
-                </a:ln>
-                <a:solidFill>
-                  <a:srgbClr val="C00000"/>
-                </a:solidFill>
-                <a:latin typeface="+mn-ea"/>
-                <a:ea typeface="+mn-ea"/>
-                <a:cs typeface="Tahoma" pitchFamily="34" charset="0"/>
-              </a:rPr>
-              <a:t>창업지원 사업 사이트 구현</a:t>
-            </a:r>
-            <a:endParaRPr lang="en-US" altLang="ko-KR" sz="4000" b="1" spc="-150" dirty="0" smtClean="0">
               <a:ln>
                 <a:prstDash val="solid"/>
               </a:ln>
@@ -13584,98 +13604,6 @@
               </a:ln>
               <a:solidFill>
                 <a:srgbClr val="C00000"/>
-              </a:solidFill>
-              <a:latin typeface="+mn-ea"/>
-              <a:ea typeface="+mn-ea"/>
-              <a:cs typeface="Tahoma" pitchFamily="34" charset="0"/>
-            </a:endParaRPr>
-          </a:p>
-          <a:p>
-            <a:pPr algn="ctr" eaLnBrk="1" fontAlgn="auto" latinLnBrk="1" hangingPunct="1">
-              <a:spcBef>
-                <a:spcPts val="0"/>
-              </a:spcBef>
-              <a:spcAft>
-                <a:spcPts val="0"/>
-              </a:spcAft>
-              <a:defRPr/>
-            </a:pPr>
-            <a:r>
-              <a:rPr kumimoji="0" lang="ko-KR" altLang="en-US" sz="2800" b="1" spc="-150" dirty="0" smtClean="0">
-                <a:ln>
-                  <a:prstDash val="solid"/>
-                </a:ln>
-                <a:solidFill>
-                  <a:schemeClr val="tx1"/>
-                </a:solidFill>
-                <a:latin typeface="+mn-ea"/>
-                <a:ea typeface="+mn-ea"/>
-                <a:cs typeface="Tahoma" pitchFamily="34" charset="0"/>
-              </a:rPr>
-              <a:t>권범주</a:t>
-            </a:r>
-            <a:r>
-              <a:rPr kumimoji="0" lang="en-US" altLang="ko-KR" sz="2800" b="1" spc="-150" dirty="0" smtClean="0">
-                <a:ln>
-                  <a:prstDash val="solid"/>
-                </a:ln>
-                <a:solidFill>
-                  <a:schemeClr val="tx1"/>
-                </a:solidFill>
-                <a:latin typeface="+mn-ea"/>
-                <a:ea typeface="+mn-ea"/>
-                <a:cs typeface="Tahoma" pitchFamily="34" charset="0"/>
-              </a:rPr>
-              <a:t>, </a:t>
-            </a:r>
-            <a:r>
-              <a:rPr kumimoji="0" lang="ko-KR" altLang="en-US" sz="2800" b="1" spc="-150" dirty="0" smtClean="0">
-                <a:ln>
-                  <a:prstDash val="solid"/>
-                </a:ln>
-                <a:solidFill>
-                  <a:schemeClr val="tx1"/>
-                </a:solidFill>
-                <a:latin typeface="+mn-ea"/>
-                <a:ea typeface="+mn-ea"/>
-                <a:cs typeface="Tahoma" pitchFamily="34" charset="0"/>
-              </a:rPr>
-              <a:t>정경화</a:t>
-            </a:r>
-            <a:r>
-              <a:rPr kumimoji="0" lang="en-US" altLang="ko-KR" sz="2800" b="1" spc="-150" dirty="0" smtClean="0">
-                <a:ln>
-                  <a:prstDash val="solid"/>
-                </a:ln>
-                <a:solidFill>
-                  <a:schemeClr val="tx1"/>
-                </a:solidFill>
-                <a:latin typeface="+mn-ea"/>
-                <a:ea typeface="+mn-ea"/>
-                <a:cs typeface="Tahoma" pitchFamily="34" charset="0"/>
-              </a:rPr>
-              <a:t>, </a:t>
-            </a:r>
-            <a:r>
-              <a:rPr kumimoji="0" lang="ko-KR" altLang="en-US" sz="2800" b="1" spc="-150" dirty="0" smtClean="0">
-                <a:ln>
-                  <a:prstDash val="solid"/>
-                </a:ln>
-                <a:solidFill>
-                  <a:schemeClr val="tx1"/>
-                </a:solidFill>
-                <a:latin typeface="+mn-ea"/>
-                <a:ea typeface="+mn-ea"/>
-                <a:cs typeface="Tahoma" pitchFamily="34" charset="0"/>
-              </a:rPr>
-              <a:t>강상훈</a:t>
-            </a:r>
-            <a:endParaRPr kumimoji="0" lang="en-US" altLang="ko-KR" sz="2800" b="1" spc="-150" dirty="0">
-              <a:ln>
-                <a:prstDash val="solid"/>
-              </a:ln>
-              <a:solidFill>
-                <a:schemeClr val="tx1"/>
               </a:solidFill>
               <a:latin typeface="+mn-ea"/>
               <a:ea typeface="+mn-ea"/>
@@ -13922,7 +13850,7 @@
                 <a:gridCol w="3210452">
                   <a:extLst>
                     <a:ext uri="{9D8B030D-6E8A-4147-A177-3AD203B41FA5}">
-                      <a16:colId xmlns:a16="http://schemas.microsoft.com/office/drawing/2014/main" xmlns="" val="20000"/>
+                      <a16:colId xmlns="" xmlns:a16="http://schemas.microsoft.com/office/drawing/2014/main" val="20000"/>
                     </a:ext>
                   </a:extLst>
                 </a:gridCol>
@@ -13985,7 +13913,7 @@
                 </a:tc>
                 <a:extLst>
                   <a:ext uri="{0D108BD9-81ED-4DB2-BD59-A6C34878D82A}">
-                    <a16:rowId xmlns:a16="http://schemas.microsoft.com/office/drawing/2014/main" xmlns="" val="10000"/>
+                    <a16:rowId xmlns="" xmlns:a16="http://schemas.microsoft.com/office/drawing/2014/main" val="10000"/>
                   </a:ext>
                 </a:extLst>
               </a:tr>
@@ -14076,7 +14004,7 @@
                 </a:tc>
                 <a:extLst>
                   <a:ext uri="{0D108BD9-81ED-4DB2-BD59-A6C34878D82A}">
-                    <a16:rowId xmlns:a16="http://schemas.microsoft.com/office/drawing/2014/main" xmlns="" val="10001"/>
+                    <a16:rowId xmlns="" xmlns:a16="http://schemas.microsoft.com/office/drawing/2014/main" val="10001"/>
                   </a:ext>
                 </a:extLst>
               </a:tr>
@@ -14239,7 +14167,7 @@
                 </a:tc>
                 <a:extLst>
                   <a:ext uri="{0D108BD9-81ED-4DB2-BD59-A6C34878D82A}">
-                    <a16:rowId xmlns:a16="http://schemas.microsoft.com/office/drawing/2014/main" xmlns="" val="10002"/>
+                    <a16:rowId xmlns="" xmlns:a16="http://schemas.microsoft.com/office/drawing/2014/main" val="10002"/>
                   </a:ext>
                 </a:extLst>
               </a:tr>
@@ -14327,7 +14255,7 @@
                 </a:tc>
                 <a:extLst>
                   <a:ext uri="{0D108BD9-81ED-4DB2-BD59-A6C34878D82A}">
-                    <a16:rowId xmlns:a16="http://schemas.microsoft.com/office/drawing/2014/main" xmlns="" val="10003"/>
+                    <a16:rowId xmlns="" xmlns:a16="http://schemas.microsoft.com/office/drawing/2014/main" val="10003"/>
                   </a:ext>
                 </a:extLst>
               </a:tr>
@@ -14415,7 +14343,7 @@
                 </a:tc>
                 <a:extLst>
                   <a:ext uri="{0D108BD9-81ED-4DB2-BD59-A6C34878D82A}">
-                    <a16:rowId xmlns:a16="http://schemas.microsoft.com/office/drawing/2014/main" xmlns="" val="10004"/>
+                    <a16:rowId xmlns="" xmlns:a16="http://schemas.microsoft.com/office/drawing/2014/main" val="10004"/>
                   </a:ext>
                 </a:extLst>
               </a:tr>
@@ -14503,7 +14431,7 @@
                 </a:tc>
                 <a:extLst>
                   <a:ext uri="{0D108BD9-81ED-4DB2-BD59-A6C34878D82A}">
-                    <a16:rowId xmlns:a16="http://schemas.microsoft.com/office/drawing/2014/main" xmlns="" val="10005"/>
+                    <a16:rowId xmlns="" xmlns:a16="http://schemas.microsoft.com/office/drawing/2014/main" val="10005"/>
                   </a:ext>
                 </a:extLst>
               </a:tr>
@@ -15059,7 +14987,7 @@
                 <a:gridCol w="3210452">
                   <a:extLst>
                     <a:ext uri="{9D8B030D-6E8A-4147-A177-3AD203B41FA5}">
-                      <a16:colId xmlns:a16="http://schemas.microsoft.com/office/drawing/2014/main" xmlns="" val="20000"/>
+                      <a16:colId xmlns="" xmlns:a16="http://schemas.microsoft.com/office/drawing/2014/main" val="20000"/>
                     </a:ext>
                   </a:extLst>
                 </a:gridCol>
@@ -15166,7 +15094,7 @@
                 </a:tc>
                 <a:extLst>
                   <a:ext uri="{0D108BD9-81ED-4DB2-BD59-A6C34878D82A}">
-                    <a16:rowId xmlns:a16="http://schemas.microsoft.com/office/drawing/2014/main" xmlns="" val="10000"/>
+                    <a16:rowId xmlns="" xmlns:a16="http://schemas.microsoft.com/office/drawing/2014/main" val="10000"/>
                   </a:ext>
                 </a:extLst>
               </a:tr>
@@ -15274,7 +15202,7 @@
                 </a:tc>
                 <a:extLst>
                   <a:ext uri="{0D108BD9-81ED-4DB2-BD59-A6C34878D82A}">
-                    <a16:rowId xmlns:a16="http://schemas.microsoft.com/office/drawing/2014/main" xmlns="" val="10001"/>
+                    <a16:rowId xmlns="" xmlns:a16="http://schemas.microsoft.com/office/drawing/2014/main" val="10001"/>
                   </a:ext>
                 </a:extLst>
               </a:tr>
@@ -15406,7 +15334,7 @@
                 </a:tc>
                 <a:extLst>
                   <a:ext uri="{0D108BD9-81ED-4DB2-BD59-A6C34878D82A}">
-                    <a16:rowId xmlns:a16="http://schemas.microsoft.com/office/drawing/2014/main" xmlns="" val="10002"/>
+                    <a16:rowId xmlns="" xmlns:a16="http://schemas.microsoft.com/office/drawing/2014/main" val="10002"/>
                   </a:ext>
                 </a:extLst>
               </a:tr>
@@ -15550,7 +15478,7 @@
                 </a:tc>
                 <a:extLst>
                   <a:ext uri="{0D108BD9-81ED-4DB2-BD59-A6C34878D82A}">
-                    <a16:rowId xmlns:a16="http://schemas.microsoft.com/office/drawing/2014/main" xmlns="" val="10003"/>
+                    <a16:rowId xmlns="" xmlns:a16="http://schemas.microsoft.com/office/drawing/2014/main" val="10003"/>
                   </a:ext>
                 </a:extLst>
               </a:tr>
@@ -15646,7 +15574,7 @@
                 </a:tc>
                 <a:extLst>
                   <a:ext uri="{0D108BD9-81ED-4DB2-BD59-A6C34878D82A}">
-                    <a16:rowId xmlns:a16="http://schemas.microsoft.com/office/drawing/2014/main" xmlns="" val="10004"/>
+                    <a16:rowId xmlns="" xmlns:a16="http://schemas.microsoft.com/office/drawing/2014/main" val="10004"/>
                   </a:ext>
                 </a:extLst>
               </a:tr>
@@ -15753,7 +15681,7 @@
                 </a:tc>
                 <a:extLst>
                   <a:ext uri="{0D108BD9-81ED-4DB2-BD59-A6C34878D82A}">
-                    <a16:rowId xmlns:a16="http://schemas.microsoft.com/office/drawing/2014/main" xmlns="" val="10005"/>
+                    <a16:rowId xmlns="" xmlns:a16="http://schemas.microsoft.com/office/drawing/2014/main" val="10005"/>
                   </a:ext>
                 </a:extLst>
               </a:tr>
@@ -17217,7 +17145,7 @@
                 <a:gridCol w="3210452">
                   <a:extLst>
                     <a:ext uri="{9D8B030D-6E8A-4147-A177-3AD203B41FA5}">
-                      <a16:colId xmlns:a16="http://schemas.microsoft.com/office/drawing/2014/main" xmlns="" val="20000"/>
+                      <a16:colId xmlns="" xmlns:a16="http://schemas.microsoft.com/office/drawing/2014/main" val="20000"/>
                     </a:ext>
                   </a:extLst>
                 </a:gridCol>
@@ -17326,7 +17254,7 @@
                 </a:tc>
                 <a:extLst>
                   <a:ext uri="{0D108BD9-81ED-4DB2-BD59-A6C34878D82A}">
-                    <a16:rowId xmlns:a16="http://schemas.microsoft.com/office/drawing/2014/main" xmlns="" val="10000"/>
+                    <a16:rowId xmlns="" xmlns:a16="http://schemas.microsoft.com/office/drawing/2014/main" val="10000"/>
                   </a:ext>
                 </a:extLst>
               </a:tr>
@@ -17860,7 +17788,7 @@
                 </a:tc>
                 <a:extLst>
                   <a:ext uri="{0D108BD9-81ED-4DB2-BD59-A6C34878D82A}">
-                    <a16:rowId xmlns:a16="http://schemas.microsoft.com/office/drawing/2014/main" xmlns="" val="10001"/>
+                    <a16:rowId xmlns="" xmlns:a16="http://schemas.microsoft.com/office/drawing/2014/main" val="10001"/>
                   </a:ext>
                 </a:extLst>
               </a:tr>
@@ -17967,7 +17895,7 @@
                 </a:tc>
                 <a:extLst>
                   <a:ext uri="{0D108BD9-81ED-4DB2-BD59-A6C34878D82A}">
-                    <a16:rowId xmlns:a16="http://schemas.microsoft.com/office/drawing/2014/main" xmlns="" val="10005"/>
+                    <a16:rowId xmlns="" xmlns:a16="http://schemas.microsoft.com/office/drawing/2014/main" val="10005"/>
                   </a:ext>
                 </a:extLst>
               </a:tr>
@@ -18664,7 +18592,7 @@
                 <a:gridCol w="3210452">
                   <a:extLst>
                     <a:ext uri="{9D8B030D-6E8A-4147-A177-3AD203B41FA5}">
-                      <a16:colId xmlns:a16="http://schemas.microsoft.com/office/drawing/2014/main" xmlns="" val="20000"/>
+                      <a16:colId xmlns="" xmlns:a16="http://schemas.microsoft.com/office/drawing/2014/main" val="20000"/>
                     </a:ext>
                   </a:extLst>
                 </a:gridCol>
@@ -18722,7 +18650,7 @@
                 </a:tc>
                 <a:extLst>
                   <a:ext uri="{0D108BD9-81ED-4DB2-BD59-A6C34878D82A}">
-                    <a16:rowId xmlns:a16="http://schemas.microsoft.com/office/drawing/2014/main" xmlns="" val="10000"/>
+                    <a16:rowId xmlns="" xmlns:a16="http://schemas.microsoft.com/office/drawing/2014/main" val="10000"/>
                   </a:ext>
                 </a:extLst>
               </a:tr>
@@ -18802,7 +18730,7 @@
                 </a:tc>
                 <a:extLst>
                   <a:ext uri="{0D108BD9-81ED-4DB2-BD59-A6C34878D82A}">
-                    <a16:rowId xmlns:a16="http://schemas.microsoft.com/office/drawing/2014/main" xmlns="" val="10001"/>
+                    <a16:rowId xmlns="" xmlns:a16="http://schemas.microsoft.com/office/drawing/2014/main" val="10001"/>
                   </a:ext>
                 </a:extLst>
               </a:tr>
@@ -19070,7 +18998,7 @@
                 </a:tc>
                 <a:extLst>
                   <a:ext uri="{0D108BD9-81ED-4DB2-BD59-A6C34878D82A}">
-                    <a16:rowId xmlns:a16="http://schemas.microsoft.com/office/drawing/2014/main" xmlns="" val="10002"/>
+                    <a16:rowId xmlns="" xmlns:a16="http://schemas.microsoft.com/office/drawing/2014/main" val="10002"/>
                   </a:ext>
                 </a:extLst>
               </a:tr>
@@ -19158,7 +19086,7 @@
                 </a:tc>
                 <a:extLst>
                   <a:ext uri="{0D108BD9-81ED-4DB2-BD59-A6C34878D82A}">
-                    <a16:rowId xmlns:a16="http://schemas.microsoft.com/office/drawing/2014/main" xmlns="" val="10003"/>
+                    <a16:rowId xmlns="" xmlns:a16="http://schemas.microsoft.com/office/drawing/2014/main" val="10003"/>
                   </a:ext>
                 </a:extLst>
               </a:tr>
@@ -19276,7 +19204,7 @@
                 </a:tc>
                 <a:extLst>
                   <a:ext uri="{0D108BD9-81ED-4DB2-BD59-A6C34878D82A}">
-                    <a16:rowId xmlns:a16="http://schemas.microsoft.com/office/drawing/2014/main" xmlns="" val="10004"/>
+                    <a16:rowId xmlns="" xmlns:a16="http://schemas.microsoft.com/office/drawing/2014/main" val="10004"/>
                   </a:ext>
                 </a:extLst>
               </a:tr>
@@ -19301,7 +19229,7 @@
                 </a:tc>
                 <a:extLst>
                   <a:ext uri="{0D108BD9-81ED-4DB2-BD59-A6C34878D82A}">
-                    <a16:rowId xmlns:a16="http://schemas.microsoft.com/office/drawing/2014/main" xmlns="" val="10005"/>
+                    <a16:rowId xmlns="" xmlns:a16="http://schemas.microsoft.com/office/drawing/2014/main" val="10005"/>
                   </a:ext>
                 </a:extLst>
               </a:tr>
